--- a/csc_448_2020_fall/aboutme.pptx
+++ b/csc_448_2020_fall/aboutme.pptx
@@ -5,10 +5,17 @@
     <p:sldMasterId id="2147483648" r:id="rId1"/>
   </p:sldMasterIdLst>
   <p:notesMasterIdLst>
-    <p:notesMasterId r:id="rId3"/>
+    <p:notesMasterId r:id="rId10"/>
   </p:notesMasterIdLst>
   <p:sldIdLst>
     <p:sldId id="257" r:id="rId2"/>
+    <p:sldId id="258" r:id="rId3"/>
+    <p:sldId id="259" r:id="rId4"/>
+    <p:sldId id="260" r:id="rId5"/>
+    <p:sldId id="261" r:id="rId6"/>
+    <p:sldId id="262" r:id="rId7"/>
+    <p:sldId id="263" r:id="rId8"/>
+    <p:sldId id="264" r:id="rId9"/>
   </p:sldIdLst>
   <p:sldSz cx="12192000" cy="6858000"/>
   <p:notesSz cx="6858000" cy="9144000"/>
@@ -197,7 +204,7 @@
           <a:p>
             <a:fld id="{5AE11A1C-6B4C-4816-87CE-ED4D1925AB9E}" type="datetimeFigureOut">
               <a:rPr lang="en-US" smtClean="0"/>
-              <a:t>9/18/19</a:t>
+              <a:t>9/8/20</a:t>
             </a:fld>
             <a:endParaRPr lang="en-US"/>
           </a:p>
@@ -548,6 +555,90 @@
 </p:notes>
 </file>
 
+<file path=ppt/notesSlides/notesSlide2.xml><?xml version="1.0" encoding="utf-8"?>
+<p:notes xmlns:a="http://schemas.openxmlformats.org/drawingml/2006/main" xmlns:r="http://schemas.openxmlformats.org/officeDocument/2006/relationships" xmlns:p="http://schemas.openxmlformats.org/presentationml/2006/main">
+  <p:cSld>
+    <p:spTree>
+      <p:nvGrpSpPr>
+        <p:cNvPr id="1" name=""/>
+        <p:cNvGrpSpPr/>
+        <p:nvPr/>
+      </p:nvGrpSpPr>
+      <p:grpSpPr>
+        <a:xfrm>
+          <a:off x="0" y="0"/>
+          <a:ext cx="0" cy="0"/>
+          <a:chOff x="0" y="0"/>
+          <a:chExt cx="0" cy="0"/>
+        </a:xfrm>
+      </p:grpSpPr>
+      <p:sp>
+        <p:nvSpPr>
+          <p:cNvPr id="2" name="Slide Image Placeholder 1"/>
+          <p:cNvSpPr>
+            <a:spLocks noGrp="1" noRot="1" noChangeAspect="1"/>
+          </p:cNvSpPr>
+          <p:nvPr>
+            <p:ph type="sldImg"/>
+          </p:nvPr>
+        </p:nvSpPr>
+        <p:spPr/>
+      </p:sp>
+      <p:sp>
+        <p:nvSpPr>
+          <p:cNvPr id="3" name="Notes Placeholder 2"/>
+          <p:cNvSpPr>
+            <a:spLocks noGrp="1"/>
+          </p:cNvSpPr>
+          <p:nvPr>
+            <p:ph type="body" idx="1"/>
+          </p:nvPr>
+        </p:nvSpPr>
+        <p:spPr/>
+        <p:txBody>
+          <a:bodyPr/>
+          <a:lstStyle/>
+          <a:p>
+            <a:endParaRPr lang="en-US" dirty="0"/>
+          </a:p>
+        </p:txBody>
+      </p:sp>
+      <p:sp>
+        <p:nvSpPr>
+          <p:cNvPr id="4" name="Slide Number Placeholder 3"/>
+          <p:cNvSpPr>
+            <a:spLocks noGrp="1"/>
+          </p:cNvSpPr>
+          <p:nvPr>
+            <p:ph type="sldNum" sz="quarter" idx="5"/>
+          </p:nvPr>
+        </p:nvSpPr>
+        <p:spPr/>
+        <p:txBody>
+          <a:bodyPr/>
+          <a:lstStyle/>
+          <a:p>
+            <a:fld id="{1D237577-088F-4157-A1D8-B30D66AB4A17}" type="slidenum">
+              <a:rPr lang="en-US" smtClean="0"/>
+              <a:t>8</a:t>
+            </a:fld>
+            <a:endParaRPr lang="en-US"/>
+          </a:p>
+        </p:txBody>
+      </p:sp>
+    </p:spTree>
+    <p:extLst>
+      <p:ext uri="{BB962C8B-B14F-4D97-AF65-F5344CB8AC3E}">
+        <p14:creationId xmlns:p14="http://schemas.microsoft.com/office/powerpoint/2010/main" val="3020821050"/>
+      </p:ext>
+    </p:extLst>
+  </p:cSld>
+  <p:clrMapOvr>
+    <a:masterClrMapping/>
+  </p:clrMapOvr>
+</p:notes>
+</file>
+
 <file path=ppt/slideLayouts/slideLayout1.xml><?xml version="1.0" encoding="utf-8"?>
 <p:sldLayout xmlns:a="http://schemas.openxmlformats.org/drawingml/2006/main" xmlns:r="http://schemas.openxmlformats.org/officeDocument/2006/relationships" xmlns:p="http://schemas.openxmlformats.org/presentationml/2006/main" type="title" preserve="1">
   <p:cSld name="Title Slide">
@@ -677,7 +768,7 @@
           <a:p>
             <a:fld id="{0E6D4D5F-F74A-425F-9630-B2ADB4471DA1}" type="datetimeFigureOut">
               <a:rPr lang="en-US" smtClean="0"/>
-              <a:t>9/18/19</a:t>
+              <a:t>9/8/20</a:t>
             </a:fld>
             <a:endParaRPr lang="en-US"/>
           </a:p>
@@ -845,7 +936,7 @@
           <a:p>
             <a:fld id="{0E6D4D5F-F74A-425F-9630-B2ADB4471DA1}" type="datetimeFigureOut">
               <a:rPr lang="en-US" smtClean="0"/>
-              <a:t>9/18/19</a:t>
+              <a:t>9/8/20</a:t>
             </a:fld>
             <a:endParaRPr lang="en-US"/>
           </a:p>
@@ -1023,7 +1114,7 @@
           <a:p>
             <a:fld id="{0E6D4D5F-F74A-425F-9630-B2ADB4471DA1}" type="datetimeFigureOut">
               <a:rPr lang="en-US" smtClean="0"/>
-              <a:t>9/18/19</a:t>
+              <a:t>9/8/20</a:t>
             </a:fld>
             <a:endParaRPr lang="en-US"/>
           </a:p>
@@ -1191,7 +1282,7 @@
           <a:p>
             <a:fld id="{0E6D4D5F-F74A-425F-9630-B2ADB4471DA1}" type="datetimeFigureOut">
               <a:rPr lang="en-US" smtClean="0"/>
-              <a:t>9/18/19</a:t>
+              <a:t>9/8/20</a:t>
             </a:fld>
             <a:endParaRPr lang="en-US"/>
           </a:p>
@@ -1466,7 +1557,7 @@
           <a:p>
             <a:fld id="{0E6D4D5F-F74A-425F-9630-B2ADB4471DA1}" type="datetimeFigureOut">
               <a:rPr lang="en-US" smtClean="0"/>
-              <a:t>9/18/19</a:t>
+              <a:t>9/8/20</a:t>
             </a:fld>
             <a:endParaRPr lang="en-US"/>
           </a:p>
@@ -1695,7 +1786,7 @@
           <a:p>
             <a:fld id="{0E6D4D5F-F74A-425F-9630-B2ADB4471DA1}" type="datetimeFigureOut">
               <a:rPr lang="en-US" smtClean="0"/>
-              <a:t>9/18/19</a:t>
+              <a:t>9/8/20</a:t>
             </a:fld>
             <a:endParaRPr lang="en-US"/>
           </a:p>
@@ -2059,7 +2150,7 @@
           <a:p>
             <a:fld id="{0E6D4D5F-F74A-425F-9630-B2ADB4471DA1}" type="datetimeFigureOut">
               <a:rPr lang="en-US" smtClean="0"/>
-              <a:t>9/18/19</a:t>
+              <a:t>9/8/20</a:t>
             </a:fld>
             <a:endParaRPr lang="en-US"/>
           </a:p>
@@ -2176,7 +2267,7 @@
           <a:p>
             <a:fld id="{0E6D4D5F-F74A-425F-9630-B2ADB4471DA1}" type="datetimeFigureOut">
               <a:rPr lang="en-US" smtClean="0"/>
-              <a:t>9/18/19</a:t>
+              <a:t>9/8/20</a:t>
             </a:fld>
             <a:endParaRPr lang="en-US"/>
           </a:p>
@@ -2271,7 +2362,7 @@
           <a:p>
             <a:fld id="{0E6D4D5F-F74A-425F-9630-B2ADB4471DA1}" type="datetimeFigureOut">
               <a:rPr lang="en-US" smtClean="0"/>
-              <a:t>9/18/19</a:t>
+              <a:t>9/8/20</a:t>
             </a:fld>
             <a:endParaRPr lang="en-US"/>
           </a:p>
@@ -2546,7 +2637,7 @@
           <a:p>
             <a:fld id="{0E6D4D5F-F74A-425F-9630-B2ADB4471DA1}" type="datetimeFigureOut">
               <a:rPr lang="en-US" smtClean="0"/>
-              <a:t>9/18/19</a:t>
+              <a:t>9/8/20</a:t>
             </a:fld>
             <a:endParaRPr lang="en-US"/>
           </a:p>
@@ -2798,7 +2889,7 @@
           <a:p>
             <a:fld id="{0E6D4D5F-F74A-425F-9630-B2ADB4471DA1}" type="datetimeFigureOut">
               <a:rPr lang="en-US" smtClean="0"/>
-              <a:t>9/18/19</a:t>
+              <a:t>9/8/20</a:t>
             </a:fld>
             <a:endParaRPr lang="en-US"/>
           </a:p>
@@ -3009,7 +3100,7 @@
           <a:p>
             <a:fld id="{0E6D4D5F-F74A-425F-9630-B2ADB4471DA1}" type="datetimeFigureOut">
               <a:rPr lang="en-US" smtClean="0"/>
-              <a:t>9/18/19</a:t>
+              <a:t>9/8/20</a:t>
             </a:fld>
             <a:endParaRPr lang="en-US"/>
           </a:p>
@@ -4318,6 +4409,895 @@
     <p:extLst>
       <p:ext uri="{BB962C8B-B14F-4D97-AF65-F5344CB8AC3E}">
         <p14:creationId xmlns:p14="http://schemas.microsoft.com/office/powerpoint/2010/main" val="2769612715"/>
+      </p:ext>
+    </p:extLst>
+  </p:cSld>
+  <p:clrMapOvr>
+    <a:masterClrMapping/>
+  </p:clrMapOvr>
+</p:sld>
+</file>
+
+<file path=ppt/slides/slide2.xml><?xml version="1.0" encoding="utf-8"?>
+<p:sld xmlns:a="http://schemas.openxmlformats.org/drawingml/2006/main" xmlns:r="http://schemas.openxmlformats.org/officeDocument/2006/relationships" xmlns:p="http://schemas.openxmlformats.org/presentationml/2006/main">
+  <p:cSld>
+    <p:spTree>
+      <p:nvGrpSpPr>
+        <p:cNvPr id="1" name=""/>
+        <p:cNvGrpSpPr/>
+        <p:nvPr/>
+      </p:nvGrpSpPr>
+      <p:grpSpPr>
+        <a:xfrm>
+          <a:off x="0" y="0"/>
+          <a:ext cx="0" cy="0"/>
+          <a:chOff x="0" y="0"/>
+          <a:chExt cx="0" cy="0"/>
+        </a:xfrm>
+      </p:grpSpPr>
+      <p:sp>
+        <p:nvSpPr>
+          <p:cNvPr id="2" name="Title 1">
+            <a:extLst>
+              <a:ext uri="{FF2B5EF4-FFF2-40B4-BE49-F238E27FC236}">
+                <a16:creationId xmlns:a16="http://schemas.microsoft.com/office/drawing/2014/main" id="{8AFCBEEA-D657-0C49-B243-C251570810F0}"/>
+              </a:ext>
+            </a:extLst>
+          </p:cNvPr>
+          <p:cNvSpPr>
+            <a:spLocks noGrp="1"/>
+          </p:cNvSpPr>
+          <p:nvPr>
+            <p:ph type="title"/>
+          </p:nvPr>
+        </p:nvSpPr>
+        <p:spPr/>
+        <p:txBody>
+          <a:bodyPr/>
+          <a:lstStyle/>
+          <a:p>
+            <a:endParaRPr lang="en-US"/>
+          </a:p>
+        </p:txBody>
+      </p:sp>
+      <p:sp>
+        <p:nvSpPr>
+          <p:cNvPr id="3" name="Content Placeholder 2">
+            <a:extLst>
+              <a:ext uri="{FF2B5EF4-FFF2-40B4-BE49-F238E27FC236}">
+                <a16:creationId xmlns:a16="http://schemas.microsoft.com/office/drawing/2014/main" id="{7BE32D0C-6EA9-AE44-841E-F003FE3A42B3}"/>
+              </a:ext>
+            </a:extLst>
+          </p:cNvPr>
+          <p:cNvSpPr>
+            <a:spLocks noGrp="1"/>
+          </p:cNvSpPr>
+          <p:nvPr>
+            <p:ph idx="1"/>
+          </p:nvPr>
+        </p:nvSpPr>
+        <p:spPr/>
+        <p:txBody>
+          <a:bodyPr/>
+          <a:lstStyle/>
+          <a:p>
+            <a:endParaRPr lang="en-US"/>
+          </a:p>
+        </p:txBody>
+      </p:sp>
+      <p:pic>
+        <p:nvPicPr>
+          <p:cNvPr id="1026" name="Picture 2">
+            <a:extLst>
+              <a:ext uri="{FF2B5EF4-FFF2-40B4-BE49-F238E27FC236}">
+                <a16:creationId xmlns:a16="http://schemas.microsoft.com/office/drawing/2014/main" id="{920F3B23-72C3-3345-A567-5A303656A43B}"/>
+              </a:ext>
+            </a:extLst>
+          </p:cNvPr>
+          <p:cNvPicPr>
+            <a:picLocks noChangeAspect="1" noChangeArrowheads="1"/>
+          </p:cNvPicPr>
+          <p:nvPr/>
+        </p:nvPicPr>
+        <p:blipFill>
+          <a:blip r:embed="rId2">
+            <a:extLst>
+              <a:ext uri="{28A0092B-C50C-407E-A947-70E740481C1C}">
+                <a14:useLocalDpi xmlns:a14="http://schemas.microsoft.com/office/drawing/2010/main" val="0"/>
+              </a:ext>
+            </a:extLst>
+          </a:blip>
+          <a:srcRect/>
+          <a:stretch>
+            <a:fillRect/>
+          </a:stretch>
+        </p:blipFill>
+        <p:spPr bwMode="auto">
+          <a:xfrm>
+            <a:off x="701675" y="0"/>
+            <a:ext cx="10788650" cy="6858000"/>
+          </a:xfrm>
+          <a:prstGeom prst="rect">
+            <a:avLst/>
+          </a:prstGeom>
+          <a:noFill/>
+          <a:extLst>
+            <a:ext uri="{909E8E84-426E-40DD-AFC4-6F175D3DCCD1}">
+              <a14:hiddenFill xmlns:a14="http://schemas.microsoft.com/office/drawing/2010/main">
+                <a:solidFill>
+                  <a:srgbClr val="FFFFFF"/>
+                </a:solidFill>
+              </a14:hiddenFill>
+            </a:ext>
+          </a:extLst>
+        </p:spPr>
+      </p:pic>
+    </p:spTree>
+    <p:extLst>
+      <p:ext uri="{BB962C8B-B14F-4D97-AF65-F5344CB8AC3E}">
+        <p14:creationId xmlns:p14="http://schemas.microsoft.com/office/powerpoint/2010/main" val="1119081844"/>
+      </p:ext>
+    </p:extLst>
+  </p:cSld>
+  <p:clrMapOvr>
+    <a:masterClrMapping/>
+  </p:clrMapOvr>
+</p:sld>
+</file>
+
+<file path=ppt/slides/slide3.xml><?xml version="1.0" encoding="utf-8"?>
+<p:sld xmlns:a="http://schemas.openxmlformats.org/drawingml/2006/main" xmlns:r="http://schemas.openxmlformats.org/officeDocument/2006/relationships" xmlns:p="http://schemas.openxmlformats.org/presentationml/2006/main">
+  <p:cSld>
+    <p:spTree>
+      <p:nvGrpSpPr>
+        <p:cNvPr id="1" name=""/>
+        <p:cNvGrpSpPr/>
+        <p:nvPr/>
+      </p:nvGrpSpPr>
+      <p:grpSpPr>
+        <a:xfrm>
+          <a:off x="0" y="0"/>
+          <a:ext cx="0" cy="0"/>
+          <a:chOff x="0" y="0"/>
+          <a:chExt cx="0" cy="0"/>
+        </a:xfrm>
+      </p:grpSpPr>
+      <p:sp>
+        <p:nvSpPr>
+          <p:cNvPr id="2" name="Title 1">
+            <a:extLst>
+              <a:ext uri="{FF2B5EF4-FFF2-40B4-BE49-F238E27FC236}">
+                <a16:creationId xmlns:a16="http://schemas.microsoft.com/office/drawing/2014/main" id="{446DD589-A039-C345-BCFF-B3B55024BF51}"/>
+              </a:ext>
+            </a:extLst>
+          </p:cNvPr>
+          <p:cNvSpPr>
+            <a:spLocks noGrp="1"/>
+          </p:cNvSpPr>
+          <p:nvPr>
+            <p:ph type="title"/>
+          </p:nvPr>
+        </p:nvSpPr>
+        <p:spPr/>
+        <p:txBody>
+          <a:bodyPr/>
+          <a:lstStyle/>
+          <a:p>
+            <a:endParaRPr lang="en-US"/>
+          </a:p>
+        </p:txBody>
+      </p:sp>
+      <p:sp>
+        <p:nvSpPr>
+          <p:cNvPr id="3" name="Content Placeholder 2">
+            <a:extLst>
+              <a:ext uri="{FF2B5EF4-FFF2-40B4-BE49-F238E27FC236}">
+                <a16:creationId xmlns:a16="http://schemas.microsoft.com/office/drawing/2014/main" id="{857B5D13-5D80-EB47-B244-95FEB6362496}"/>
+              </a:ext>
+            </a:extLst>
+          </p:cNvPr>
+          <p:cNvSpPr>
+            <a:spLocks noGrp="1"/>
+          </p:cNvSpPr>
+          <p:nvPr>
+            <p:ph idx="1"/>
+          </p:nvPr>
+        </p:nvSpPr>
+        <p:spPr/>
+        <p:txBody>
+          <a:bodyPr/>
+          <a:lstStyle/>
+          <a:p>
+            <a:endParaRPr lang="en-US"/>
+          </a:p>
+        </p:txBody>
+      </p:sp>
+      <p:pic>
+        <p:nvPicPr>
+          <p:cNvPr id="2050" name="Picture 2">
+            <a:extLst>
+              <a:ext uri="{FF2B5EF4-FFF2-40B4-BE49-F238E27FC236}">
+                <a16:creationId xmlns:a16="http://schemas.microsoft.com/office/drawing/2014/main" id="{2D746D6B-D414-424F-A1B7-F3371B010E19}"/>
+              </a:ext>
+            </a:extLst>
+          </p:cNvPr>
+          <p:cNvPicPr>
+            <a:picLocks noChangeAspect="1" noChangeArrowheads="1"/>
+          </p:cNvPicPr>
+          <p:nvPr/>
+        </p:nvPicPr>
+        <p:blipFill>
+          <a:blip r:embed="rId2">
+            <a:extLst>
+              <a:ext uri="{28A0092B-C50C-407E-A947-70E740481C1C}">
+                <a14:useLocalDpi xmlns:a14="http://schemas.microsoft.com/office/drawing/2010/main" val="0"/>
+              </a:ext>
+            </a:extLst>
+          </a:blip>
+          <a:srcRect/>
+          <a:stretch>
+            <a:fillRect/>
+          </a:stretch>
+        </p:blipFill>
+        <p:spPr bwMode="auto">
+          <a:xfrm>
+            <a:off x="1524000" y="0"/>
+            <a:ext cx="9144000" cy="6858000"/>
+          </a:xfrm>
+          <a:prstGeom prst="rect">
+            <a:avLst/>
+          </a:prstGeom>
+          <a:noFill/>
+          <a:extLst>
+            <a:ext uri="{909E8E84-426E-40DD-AFC4-6F175D3DCCD1}">
+              <a14:hiddenFill xmlns:a14="http://schemas.microsoft.com/office/drawing/2010/main">
+                <a:solidFill>
+                  <a:srgbClr val="FFFFFF"/>
+                </a:solidFill>
+              </a14:hiddenFill>
+            </a:ext>
+          </a:extLst>
+        </p:spPr>
+      </p:pic>
+    </p:spTree>
+    <p:extLst>
+      <p:ext uri="{BB962C8B-B14F-4D97-AF65-F5344CB8AC3E}">
+        <p14:creationId xmlns:p14="http://schemas.microsoft.com/office/powerpoint/2010/main" val="2133837477"/>
+      </p:ext>
+    </p:extLst>
+  </p:cSld>
+  <p:clrMapOvr>
+    <a:masterClrMapping/>
+  </p:clrMapOvr>
+</p:sld>
+</file>
+
+<file path=ppt/slides/slide4.xml><?xml version="1.0" encoding="utf-8"?>
+<p:sld xmlns:a="http://schemas.openxmlformats.org/drawingml/2006/main" xmlns:r="http://schemas.openxmlformats.org/officeDocument/2006/relationships" xmlns:p="http://schemas.openxmlformats.org/presentationml/2006/main">
+  <p:cSld>
+    <p:spTree>
+      <p:nvGrpSpPr>
+        <p:cNvPr id="1" name=""/>
+        <p:cNvGrpSpPr/>
+        <p:nvPr/>
+      </p:nvGrpSpPr>
+      <p:grpSpPr>
+        <a:xfrm>
+          <a:off x="0" y="0"/>
+          <a:ext cx="0" cy="0"/>
+          <a:chOff x="0" y="0"/>
+          <a:chExt cx="0" cy="0"/>
+        </a:xfrm>
+      </p:grpSpPr>
+      <p:sp>
+        <p:nvSpPr>
+          <p:cNvPr id="2" name="Title 1">
+            <a:extLst>
+              <a:ext uri="{FF2B5EF4-FFF2-40B4-BE49-F238E27FC236}">
+                <a16:creationId xmlns:a16="http://schemas.microsoft.com/office/drawing/2014/main" id="{EC92BD60-D100-FF4D-AD80-01DF6F6A6BF7}"/>
+              </a:ext>
+            </a:extLst>
+          </p:cNvPr>
+          <p:cNvSpPr>
+            <a:spLocks noGrp="1"/>
+          </p:cNvSpPr>
+          <p:nvPr>
+            <p:ph type="title"/>
+          </p:nvPr>
+        </p:nvSpPr>
+        <p:spPr/>
+        <p:txBody>
+          <a:bodyPr/>
+          <a:lstStyle/>
+          <a:p>
+            <a:endParaRPr lang="en-US"/>
+          </a:p>
+        </p:txBody>
+      </p:sp>
+      <p:sp>
+        <p:nvSpPr>
+          <p:cNvPr id="3" name="Content Placeholder 2">
+            <a:extLst>
+              <a:ext uri="{FF2B5EF4-FFF2-40B4-BE49-F238E27FC236}">
+                <a16:creationId xmlns:a16="http://schemas.microsoft.com/office/drawing/2014/main" id="{3F5F3417-DDAF-7946-A419-8D652A186C3D}"/>
+              </a:ext>
+            </a:extLst>
+          </p:cNvPr>
+          <p:cNvSpPr>
+            <a:spLocks noGrp="1"/>
+          </p:cNvSpPr>
+          <p:nvPr>
+            <p:ph idx="1"/>
+          </p:nvPr>
+        </p:nvSpPr>
+        <p:spPr/>
+        <p:txBody>
+          <a:bodyPr/>
+          <a:lstStyle/>
+          <a:p>
+            <a:endParaRPr lang="en-US" dirty="0"/>
+          </a:p>
+        </p:txBody>
+      </p:sp>
+      <p:pic>
+        <p:nvPicPr>
+          <p:cNvPr id="3074" name="Picture 2">
+            <a:extLst>
+              <a:ext uri="{FF2B5EF4-FFF2-40B4-BE49-F238E27FC236}">
+                <a16:creationId xmlns:a16="http://schemas.microsoft.com/office/drawing/2014/main" id="{44366DD0-CA33-394C-B8F4-92BB8AF180F8}"/>
+              </a:ext>
+            </a:extLst>
+          </p:cNvPr>
+          <p:cNvPicPr>
+            <a:picLocks noChangeAspect="1" noChangeArrowheads="1"/>
+          </p:cNvPicPr>
+          <p:nvPr/>
+        </p:nvPicPr>
+        <p:blipFill>
+          <a:blip r:embed="rId2">
+            <a:extLst>
+              <a:ext uri="{28A0092B-C50C-407E-A947-70E740481C1C}">
+                <a14:useLocalDpi xmlns:a14="http://schemas.microsoft.com/office/drawing/2010/main" val="0"/>
+              </a:ext>
+            </a:extLst>
+          </a:blip>
+          <a:srcRect/>
+          <a:stretch>
+            <a:fillRect/>
+          </a:stretch>
+        </p:blipFill>
+        <p:spPr bwMode="auto">
+          <a:xfrm>
+            <a:off x="3522663" y="0"/>
+            <a:ext cx="5146675" cy="6858000"/>
+          </a:xfrm>
+          <a:prstGeom prst="rect">
+            <a:avLst/>
+          </a:prstGeom>
+          <a:noFill/>
+          <a:extLst>
+            <a:ext uri="{909E8E84-426E-40DD-AFC4-6F175D3DCCD1}">
+              <a14:hiddenFill xmlns:a14="http://schemas.microsoft.com/office/drawing/2010/main">
+                <a:solidFill>
+                  <a:srgbClr val="FFFFFF"/>
+                </a:solidFill>
+              </a14:hiddenFill>
+            </a:ext>
+          </a:extLst>
+        </p:spPr>
+      </p:pic>
+    </p:spTree>
+    <p:extLst>
+      <p:ext uri="{BB962C8B-B14F-4D97-AF65-F5344CB8AC3E}">
+        <p14:creationId xmlns:p14="http://schemas.microsoft.com/office/powerpoint/2010/main" val="2002114294"/>
+      </p:ext>
+    </p:extLst>
+  </p:cSld>
+  <p:clrMapOvr>
+    <a:masterClrMapping/>
+  </p:clrMapOvr>
+</p:sld>
+</file>
+
+<file path=ppt/slides/slide5.xml><?xml version="1.0" encoding="utf-8"?>
+<p:sld xmlns:a="http://schemas.openxmlformats.org/drawingml/2006/main" xmlns:r="http://schemas.openxmlformats.org/officeDocument/2006/relationships" xmlns:p="http://schemas.openxmlformats.org/presentationml/2006/main">
+  <p:cSld>
+    <p:spTree>
+      <p:nvGrpSpPr>
+        <p:cNvPr id="1" name=""/>
+        <p:cNvGrpSpPr/>
+        <p:nvPr/>
+      </p:nvGrpSpPr>
+      <p:grpSpPr>
+        <a:xfrm>
+          <a:off x="0" y="0"/>
+          <a:ext cx="0" cy="0"/>
+          <a:chOff x="0" y="0"/>
+          <a:chExt cx="0" cy="0"/>
+        </a:xfrm>
+      </p:grpSpPr>
+      <p:sp>
+        <p:nvSpPr>
+          <p:cNvPr id="2" name="Title 1">
+            <a:extLst>
+              <a:ext uri="{FF2B5EF4-FFF2-40B4-BE49-F238E27FC236}">
+                <a16:creationId xmlns:a16="http://schemas.microsoft.com/office/drawing/2014/main" id="{D5FB3807-1749-264B-BDFD-2F5E9C074685}"/>
+              </a:ext>
+            </a:extLst>
+          </p:cNvPr>
+          <p:cNvSpPr>
+            <a:spLocks noGrp="1"/>
+          </p:cNvSpPr>
+          <p:nvPr>
+            <p:ph type="title"/>
+          </p:nvPr>
+        </p:nvSpPr>
+        <p:spPr/>
+        <p:txBody>
+          <a:bodyPr/>
+          <a:lstStyle/>
+          <a:p>
+            <a:endParaRPr lang="en-US"/>
+          </a:p>
+        </p:txBody>
+      </p:sp>
+      <p:sp>
+        <p:nvSpPr>
+          <p:cNvPr id="3" name="Content Placeholder 2">
+            <a:extLst>
+              <a:ext uri="{FF2B5EF4-FFF2-40B4-BE49-F238E27FC236}">
+                <a16:creationId xmlns:a16="http://schemas.microsoft.com/office/drawing/2014/main" id="{7712FE5D-2F1D-BF45-AF87-91C602AD9C3D}"/>
+              </a:ext>
+            </a:extLst>
+          </p:cNvPr>
+          <p:cNvSpPr>
+            <a:spLocks noGrp="1"/>
+          </p:cNvSpPr>
+          <p:nvPr>
+            <p:ph idx="1"/>
+          </p:nvPr>
+        </p:nvSpPr>
+        <p:spPr/>
+        <p:txBody>
+          <a:bodyPr/>
+          <a:lstStyle/>
+          <a:p>
+            <a:endParaRPr lang="en-US"/>
+          </a:p>
+        </p:txBody>
+      </p:sp>
+      <p:pic>
+        <p:nvPicPr>
+          <p:cNvPr id="4098" name="Picture 2">
+            <a:extLst>
+              <a:ext uri="{FF2B5EF4-FFF2-40B4-BE49-F238E27FC236}">
+                <a16:creationId xmlns:a16="http://schemas.microsoft.com/office/drawing/2014/main" id="{7FB496B2-2EAD-EE4B-A5C6-772C70680ACD}"/>
+              </a:ext>
+            </a:extLst>
+          </p:cNvPr>
+          <p:cNvPicPr>
+            <a:picLocks noChangeAspect="1" noChangeArrowheads="1"/>
+          </p:cNvPicPr>
+          <p:nvPr/>
+        </p:nvPicPr>
+        <p:blipFill>
+          <a:blip r:embed="rId2">
+            <a:extLst>
+              <a:ext uri="{28A0092B-C50C-407E-A947-70E740481C1C}">
+                <a14:useLocalDpi xmlns:a14="http://schemas.microsoft.com/office/drawing/2010/main" val="0"/>
+              </a:ext>
+            </a:extLst>
+          </a:blip>
+          <a:srcRect/>
+          <a:stretch>
+            <a:fillRect/>
+          </a:stretch>
+        </p:blipFill>
+        <p:spPr bwMode="auto">
+          <a:xfrm>
+            <a:off x="3522663" y="0"/>
+            <a:ext cx="5146675" cy="6858000"/>
+          </a:xfrm>
+          <a:prstGeom prst="rect">
+            <a:avLst/>
+          </a:prstGeom>
+          <a:noFill/>
+          <a:extLst>
+            <a:ext uri="{909E8E84-426E-40DD-AFC4-6F175D3DCCD1}">
+              <a14:hiddenFill xmlns:a14="http://schemas.microsoft.com/office/drawing/2010/main">
+                <a:solidFill>
+                  <a:srgbClr val="FFFFFF"/>
+                </a:solidFill>
+              </a14:hiddenFill>
+            </a:ext>
+          </a:extLst>
+        </p:spPr>
+      </p:pic>
+    </p:spTree>
+    <p:extLst>
+      <p:ext uri="{BB962C8B-B14F-4D97-AF65-F5344CB8AC3E}">
+        <p14:creationId xmlns:p14="http://schemas.microsoft.com/office/powerpoint/2010/main" val="1204501031"/>
+      </p:ext>
+    </p:extLst>
+  </p:cSld>
+  <p:clrMapOvr>
+    <a:masterClrMapping/>
+  </p:clrMapOvr>
+</p:sld>
+</file>
+
+<file path=ppt/slides/slide6.xml><?xml version="1.0" encoding="utf-8"?>
+<p:sld xmlns:a="http://schemas.openxmlformats.org/drawingml/2006/main" xmlns:r="http://schemas.openxmlformats.org/officeDocument/2006/relationships" xmlns:p="http://schemas.openxmlformats.org/presentationml/2006/main">
+  <p:cSld>
+    <p:spTree>
+      <p:nvGrpSpPr>
+        <p:cNvPr id="1" name=""/>
+        <p:cNvGrpSpPr/>
+        <p:nvPr/>
+      </p:nvGrpSpPr>
+      <p:grpSpPr>
+        <a:xfrm>
+          <a:off x="0" y="0"/>
+          <a:ext cx="0" cy="0"/>
+          <a:chOff x="0" y="0"/>
+          <a:chExt cx="0" cy="0"/>
+        </a:xfrm>
+      </p:grpSpPr>
+      <p:sp>
+        <p:nvSpPr>
+          <p:cNvPr id="2" name="Title 1">
+            <a:extLst>
+              <a:ext uri="{FF2B5EF4-FFF2-40B4-BE49-F238E27FC236}">
+                <a16:creationId xmlns:a16="http://schemas.microsoft.com/office/drawing/2014/main" id="{70F6FA57-2D6F-6C44-88B5-3E54D8110967}"/>
+              </a:ext>
+            </a:extLst>
+          </p:cNvPr>
+          <p:cNvSpPr>
+            <a:spLocks noGrp="1"/>
+          </p:cNvSpPr>
+          <p:nvPr>
+            <p:ph type="title"/>
+          </p:nvPr>
+        </p:nvSpPr>
+        <p:spPr/>
+        <p:txBody>
+          <a:bodyPr/>
+          <a:lstStyle/>
+          <a:p>
+            <a:endParaRPr lang="en-US"/>
+          </a:p>
+        </p:txBody>
+      </p:sp>
+      <p:sp>
+        <p:nvSpPr>
+          <p:cNvPr id="3" name="Content Placeholder 2">
+            <a:extLst>
+              <a:ext uri="{FF2B5EF4-FFF2-40B4-BE49-F238E27FC236}">
+                <a16:creationId xmlns:a16="http://schemas.microsoft.com/office/drawing/2014/main" id="{DDB77D6D-4649-1343-8FFA-32200B725DC7}"/>
+              </a:ext>
+            </a:extLst>
+          </p:cNvPr>
+          <p:cNvSpPr>
+            <a:spLocks noGrp="1"/>
+          </p:cNvSpPr>
+          <p:nvPr>
+            <p:ph idx="1"/>
+          </p:nvPr>
+        </p:nvSpPr>
+        <p:spPr/>
+        <p:txBody>
+          <a:bodyPr/>
+          <a:lstStyle/>
+          <a:p>
+            <a:endParaRPr lang="en-US"/>
+          </a:p>
+        </p:txBody>
+      </p:sp>
+      <p:pic>
+        <p:nvPicPr>
+          <p:cNvPr id="5122" name="Picture 2">
+            <a:extLst>
+              <a:ext uri="{FF2B5EF4-FFF2-40B4-BE49-F238E27FC236}">
+                <a16:creationId xmlns:a16="http://schemas.microsoft.com/office/drawing/2014/main" id="{3A0258C5-C9FD-0643-87A1-06899BF0D567}"/>
+              </a:ext>
+            </a:extLst>
+          </p:cNvPr>
+          <p:cNvPicPr>
+            <a:picLocks noChangeAspect="1" noChangeArrowheads="1"/>
+          </p:cNvPicPr>
+          <p:nvPr/>
+        </p:nvPicPr>
+        <p:blipFill>
+          <a:blip r:embed="rId2">
+            <a:extLst>
+              <a:ext uri="{28A0092B-C50C-407E-A947-70E740481C1C}">
+                <a14:useLocalDpi xmlns:a14="http://schemas.microsoft.com/office/drawing/2010/main" val="0"/>
+              </a:ext>
+            </a:extLst>
+          </a:blip>
+          <a:srcRect/>
+          <a:stretch>
+            <a:fillRect/>
+          </a:stretch>
+        </p:blipFill>
+        <p:spPr bwMode="auto">
+          <a:xfrm>
+            <a:off x="3522663" y="0"/>
+            <a:ext cx="5146675" cy="6858000"/>
+          </a:xfrm>
+          <a:prstGeom prst="rect">
+            <a:avLst/>
+          </a:prstGeom>
+          <a:noFill/>
+          <a:extLst>
+            <a:ext uri="{909E8E84-426E-40DD-AFC4-6F175D3DCCD1}">
+              <a14:hiddenFill xmlns:a14="http://schemas.microsoft.com/office/drawing/2010/main">
+                <a:solidFill>
+                  <a:srgbClr val="FFFFFF"/>
+                </a:solidFill>
+              </a14:hiddenFill>
+            </a:ext>
+          </a:extLst>
+        </p:spPr>
+      </p:pic>
+    </p:spTree>
+    <p:extLst>
+      <p:ext uri="{BB962C8B-B14F-4D97-AF65-F5344CB8AC3E}">
+        <p14:creationId xmlns:p14="http://schemas.microsoft.com/office/powerpoint/2010/main" val="1286934240"/>
+      </p:ext>
+    </p:extLst>
+  </p:cSld>
+  <p:clrMapOvr>
+    <a:masterClrMapping/>
+  </p:clrMapOvr>
+</p:sld>
+</file>
+
+<file path=ppt/slides/slide7.xml><?xml version="1.0" encoding="utf-8"?>
+<p:sld xmlns:a="http://schemas.openxmlformats.org/drawingml/2006/main" xmlns:r="http://schemas.openxmlformats.org/officeDocument/2006/relationships" xmlns:p="http://schemas.openxmlformats.org/presentationml/2006/main">
+  <p:cSld>
+    <p:spTree>
+      <p:nvGrpSpPr>
+        <p:cNvPr id="1" name=""/>
+        <p:cNvGrpSpPr/>
+        <p:nvPr/>
+      </p:nvGrpSpPr>
+      <p:grpSpPr>
+        <a:xfrm>
+          <a:off x="0" y="0"/>
+          <a:ext cx="0" cy="0"/>
+          <a:chOff x="0" y="0"/>
+          <a:chExt cx="0" cy="0"/>
+        </a:xfrm>
+      </p:grpSpPr>
+      <p:sp>
+        <p:nvSpPr>
+          <p:cNvPr id="2" name="Title 1">
+            <a:extLst>
+              <a:ext uri="{FF2B5EF4-FFF2-40B4-BE49-F238E27FC236}">
+                <a16:creationId xmlns:a16="http://schemas.microsoft.com/office/drawing/2014/main" id="{B52E9803-22DB-DD40-9C9B-363F4F5DA412}"/>
+              </a:ext>
+            </a:extLst>
+          </p:cNvPr>
+          <p:cNvSpPr>
+            <a:spLocks noGrp="1"/>
+          </p:cNvSpPr>
+          <p:nvPr>
+            <p:ph type="title"/>
+          </p:nvPr>
+        </p:nvSpPr>
+        <p:spPr/>
+        <p:txBody>
+          <a:bodyPr/>
+          <a:lstStyle/>
+          <a:p>
+            <a:endParaRPr lang="en-US"/>
+          </a:p>
+        </p:txBody>
+      </p:sp>
+      <p:sp>
+        <p:nvSpPr>
+          <p:cNvPr id="3" name="Content Placeholder 2">
+            <a:extLst>
+              <a:ext uri="{FF2B5EF4-FFF2-40B4-BE49-F238E27FC236}">
+                <a16:creationId xmlns:a16="http://schemas.microsoft.com/office/drawing/2014/main" id="{A2A33759-B39E-7049-B59C-2EB89982F3A9}"/>
+              </a:ext>
+            </a:extLst>
+          </p:cNvPr>
+          <p:cNvSpPr>
+            <a:spLocks noGrp="1"/>
+          </p:cNvSpPr>
+          <p:nvPr>
+            <p:ph idx="1"/>
+          </p:nvPr>
+        </p:nvSpPr>
+        <p:spPr/>
+        <p:txBody>
+          <a:bodyPr/>
+          <a:lstStyle/>
+          <a:p>
+            <a:endParaRPr lang="en-US"/>
+          </a:p>
+        </p:txBody>
+      </p:sp>
+      <p:pic>
+        <p:nvPicPr>
+          <p:cNvPr id="6146" name="Picture 2">
+            <a:extLst>
+              <a:ext uri="{FF2B5EF4-FFF2-40B4-BE49-F238E27FC236}">
+                <a16:creationId xmlns:a16="http://schemas.microsoft.com/office/drawing/2014/main" id="{CD50511F-84C4-DB42-9BD7-F3EBC5B06254}"/>
+              </a:ext>
+            </a:extLst>
+          </p:cNvPr>
+          <p:cNvPicPr>
+            <a:picLocks noChangeAspect="1" noChangeArrowheads="1"/>
+          </p:cNvPicPr>
+          <p:nvPr/>
+        </p:nvPicPr>
+        <p:blipFill>
+          <a:blip r:embed="rId2">
+            <a:extLst>
+              <a:ext uri="{28A0092B-C50C-407E-A947-70E740481C1C}">
+                <a14:useLocalDpi xmlns:a14="http://schemas.microsoft.com/office/drawing/2010/main" val="0"/>
+              </a:ext>
+            </a:extLst>
+          </a:blip>
+          <a:srcRect/>
+          <a:stretch>
+            <a:fillRect/>
+          </a:stretch>
+        </p:blipFill>
+        <p:spPr bwMode="auto">
+          <a:xfrm>
+            <a:off x="3522663" y="0"/>
+            <a:ext cx="5146675" cy="6858000"/>
+          </a:xfrm>
+          <a:prstGeom prst="rect">
+            <a:avLst/>
+          </a:prstGeom>
+          <a:noFill/>
+          <a:extLst>
+            <a:ext uri="{909E8E84-426E-40DD-AFC4-6F175D3DCCD1}">
+              <a14:hiddenFill xmlns:a14="http://schemas.microsoft.com/office/drawing/2010/main">
+                <a:solidFill>
+                  <a:srgbClr val="FFFFFF"/>
+                </a:solidFill>
+              </a14:hiddenFill>
+            </a:ext>
+          </a:extLst>
+        </p:spPr>
+      </p:pic>
+    </p:spTree>
+    <p:extLst>
+      <p:ext uri="{BB962C8B-B14F-4D97-AF65-F5344CB8AC3E}">
+        <p14:creationId xmlns:p14="http://schemas.microsoft.com/office/powerpoint/2010/main" val="6614274"/>
+      </p:ext>
+    </p:extLst>
+  </p:cSld>
+  <p:clrMapOvr>
+    <a:masterClrMapping/>
+  </p:clrMapOvr>
+</p:sld>
+</file>
+
+<file path=ppt/slides/slide8.xml><?xml version="1.0" encoding="utf-8"?>
+<p:sld xmlns:a="http://schemas.openxmlformats.org/drawingml/2006/main" xmlns:r="http://schemas.openxmlformats.org/officeDocument/2006/relationships" xmlns:p="http://schemas.openxmlformats.org/presentationml/2006/main">
+  <p:cSld>
+    <p:spTree>
+      <p:nvGrpSpPr>
+        <p:cNvPr id="1" name=""/>
+        <p:cNvGrpSpPr/>
+        <p:nvPr/>
+      </p:nvGrpSpPr>
+      <p:grpSpPr>
+        <a:xfrm>
+          <a:off x="0" y="0"/>
+          <a:ext cx="0" cy="0"/>
+          <a:chOff x="0" y="0"/>
+          <a:chExt cx="0" cy="0"/>
+        </a:xfrm>
+      </p:grpSpPr>
+      <p:sp>
+        <p:nvSpPr>
+          <p:cNvPr id="2" name="Title 1">
+            <a:extLst>
+              <a:ext uri="{FF2B5EF4-FFF2-40B4-BE49-F238E27FC236}">
+                <a16:creationId xmlns:a16="http://schemas.microsoft.com/office/drawing/2014/main" id="{0DD9B8C4-B4DD-A64E-BF6F-1D8E44A74ED2}"/>
+              </a:ext>
+            </a:extLst>
+          </p:cNvPr>
+          <p:cNvSpPr>
+            <a:spLocks noGrp="1"/>
+          </p:cNvSpPr>
+          <p:nvPr>
+            <p:ph type="title"/>
+          </p:nvPr>
+        </p:nvSpPr>
+        <p:spPr/>
+        <p:txBody>
+          <a:bodyPr/>
+          <a:lstStyle/>
+          <a:p>
+            <a:endParaRPr lang="en-US"/>
+          </a:p>
+        </p:txBody>
+      </p:sp>
+      <p:sp>
+        <p:nvSpPr>
+          <p:cNvPr id="3" name="Content Placeholder 2">
+            <a:extLst>
+              <a:ext uri="{FF2B5EF4-FFF2-40B4-BE49-F238E27FC236}">
+                <a16:creationId xmlns:a16="http://schemas.microsoft.com/office/drawing/2014/main" id="{1D78455A-6638-9A4E-90C0-C97386F1B83C}"/>
+              </a:ext>
+            </a:extLst>
+          </p:cNvPr>
+          <p:cNvSpPr>
+            <a:spLocks noGrp="1"/>
+          </p:cNvSpPr>
+          <p:nvPr>
+            <p:ph idx="1"/>
+          </p:nvPr>
+        </p:nvSpPr>
+        <p:spPr/>
+        <p:txBody>
+          <a:bodyPr/>
+          <a:lstStyle/>
+          <a:p>
+            <a:endParaRPr lang="en-US"/>
+          </a:p>
+        </p:txBody>
+      </p:sp>
+      <p:pic>
+        <p:nvPicPr>
+          <p:cNvPr id="7170" name="Picture 2">
+            <a:extLst>
+              <a:ext uri="{FF2B5EF4-FFF2-40B4-BE49-F238E27FC236}">
+                <a16:creationId xmlns:a16="http://schemas.microsoft.com/office/drawing/2014/main" id="{CD35564C-5950-034B-8223-0D55788FCC34}"/>
+              </a:ext>
+            </a:extLst>
+          </p:cNvPr>
+          <p:cNvPicPr>
+            <a:picLocks noChangeAspect="1" noChangeArrowheads="1"/>
+          </p:cNvPicPr>
+          <p:nvPr/>
+        </p:nvPicPr>
+        <p:blipFill>
+          <a:blip r:embed="rId3">
+            <a:extLst>
+              <a:ext uri="{28A0092B-C50C-407E-A947-70E740481C1C}">
+                <a14:useLocalDpi xmlns:a14="http://schemas.microsoft.com/office/drawing/2010/main" val="0"/>
+              </a:ext>
+            </a:extLst>
+          </a:blip>
+          <a:srcRect/>
+          <a:stretch>
+            <a:fillRect/>
+          </a:stretch>
+        </p:blipFill>
+        <p:spPr bwMode="auto">
+          <a:xfrm>
+            <a:off x="1524000" y="0"/>
+            <a:ext cx="9144000" cy="6858000"/>
+          </a:xfrm>
+          <a:prstGeom prst="rect">
+            <a:avLst/>
+          </a:prstGeom>
+          <a:noFill/>
+          <a:extLst>
+            <a:ext uri="{909E8E84-426E-40DD-AFC4-6F175D3DCCD1}">
+              <a14:hiddenFill xmlns:a14="http://schemas.microsoft.com/office/drawing/2010/main">
+                <a:solidFill>
+                  <a:srgbClr val="FFFFFF"/>
+                </a:solidFill>
+              </a14:hiddenFill>
+            </a:ext>
+          </a:extLst>
+        </p:spPr>
+      </p:pic>
+    </p:spTree>
+    <p:extLst>
+      <p:ext uri="{BB962C8B-B14F-4D97-AF65-F5344CB8AC3E}">
+        <p14:creationId xmlns:p14="http://schemas.microsoft.com/office/powerpoint/2010/main" val="1418686167"/>
       </p:ext>
     </p:extLst>
   </p:cSld>
